--- a/Springer Latex/Book/figures2/802-11e-HCCA.pptx
+++ b/Springer Latex/Book/figures2/802-11e-HCCA.pptx
@@ -5,10 +5,11 @@
     <p:sldMasterId id="2147483648" r:id="rId1"/>
   </p:sldMasterIdLst>
   <p:notesMasterIdLst>
-    <p:notesMasterId r:id="rId3"/>
+    <p:notesMasterId r:id="rId4"/>
   </p:notesMasterIdLst>
   <p:sldIdLst>
     <p:sldId id="256" r:id="rId2"/>
+    <p:sldId id="257" r:id="rId3"/>
   </p:sldIdLst>
   <p:sldSz cx="9144000" cy="6858000" type="screen4x3"/>
   <p:notesSz cx="6858000" cy="9144000"/>
@@ -107,6 +108,22 @@
       </a:defRPr>
     </a:lvl9pPr>
   </p:defaultTextStyle>
+  <p:extLst>
+    <p:ext uri="{EFAFB233-063F-42B5-8137-9DF3F51BA10A}">
+      <p15:sldGuideLst xmlns:p15="http://schemas.microsoft.com/office/powerpoint/2012/main">
+        <p15:guide id="1" orient="horz" pos="2160">
+          <p15:clr>
+            <a:srgbClr val="A4A3A4"/>
+          </p15:clr>
+        </p15:guide>
+        <p15:guide id="2" pos="2880">
+          <p15:clr>
+            <a:srgbClr val="A4A3A4"/>
+          </p15:clr>
+        </p15:guide>
+      </p15:sldGuideLst>
+    </p:ext>
+  </p:extLst>
 </p:presentation>
 </file>
 
@@ -192,7 +209,7 @@
           <a:p>
             <a:fld id="{EA6E994D-EE54-45CF-8564-9B84D8B032D6}" type="datetimeFigureOut">
               <a:rPr lang="en-US" smtClean="0"/>
-              <a:t>1/26/2016</a:t>
+              <a:t>8/16/2016</a:t>
             </a:fld>
             <a:endParaRPr lang="en-US"/>
           </a:p>
@@ -256,38 +273,37 @@
           <a:p>
             <a:pPr lvl="0"/>
             <a:r>
-              <a:rPr lang="en-US" smtClean="0"/>
+              <a:rPr lang="en-US"/>
               <a:t>Click to edit Master text styles</a:t>
             </a:r>
           </a:p>
           <a:p>
             <a:pPr lvl="1"/>
             <a:r>
-              <a:rPr lang="en-US" smtClean="0"/>
+              <a:rPr lang="en-US"/>
               <a:t>Second level</a:t>
             </a:r>
           </a:p>
           <a:p>
             <a:pPr lvl="2"/>
             <a:r>
-              <a:rPr lang="en-US" smtClean="0"/>
+              <a:rPr lang="en-US"/>
               <a:t>Third level</a:t>
             </a:r>
           </a:p>
           <a:p>
             <a:pPr lvl="3"/>
             <a:r>
-              <a:rPr lang="en-US" smtClean="0"/>
+              <a:rPr lang="en-US"/>
               <a:t>Fourth level</a:t>
             </a:r>
           </a:p>
           <a:p>
             <a:pPr lvl="4"/>
             <a:r>
-              <a:rPr lang="en-US" smtClean="0"/>
+              <a:rPr lang="en-US"/>
               <a:t>Fifth level</a:t>
             </a:r>
-            <a:endParaRPr lang="en-US"/>
           </a:p>
         </p:txBody>
       </p:sp>
@@ -582,10 +598,9 @@
           <a:lstStyle/>
           <a:p>
             <a:r>
-              <a:rPr lang="en-US" smtClean="0"/>
+              <a:rPr lang="en-US"/>
               <a:t>Click to edit Master title style</a:t>
             </a:r>
-            <a:endParaRPr lang="en-US"/>
           </a:p>
         </p:txBody>
       </p:sp>
@@ -701,10 +716,9 @@
           </a:lstStyle>
           <a:p>
             <a:r>
-              <a:rPr lang="en-US" smtClean="0"/>
+              <a:rPr lang="en-US"/>
               <a:t>Click to edit Master subtitle style</a:t>
             </a:r>
-            <a:endParaRPr lang="en-US"/>
           </a:p>
         </p:txBody>
       </p:sp>
@@ -725,7 +739,7 @@
           <a:p>
             <a:fld id="{D79ED97D-5577-403C-B58C-D66171CB85CF}" type="datetimeFigureOut">
               <a:rPr lang="en-US" smtClean="0"/>
-              <a:t>1/26/2016</a:t>
+              <a:t>8/16/2016</a:t>
             </a:fld>
             <a:endParaRPr lang="en-US"/>
           </a:p>
@@ -819,10 +833,9 @@
           <a:lstStyle/>
           <a:p>
             <a:r>
-              <a:rPr lang="en-US" smtClean="0"/>
+              <a:rPr lang="en-US"/>
               <a:t>Click to edit Master title style</a:t>
             </a:r>
-            <a:endParaRPr lang="en-US"/>
           </a:p>
         </p:txBody>
       </p:sp>
@@ -843,38 +856,37 @@
           <a:p>
             <a:pPr lvl="0"/>
             <a:r>
-              <a:rPr lang="en-US" smtClean="0"/>
+              <a:rPr lang="en-US"/>
               <a:t>Click to edit Master text styles</a:t>
             </a:r>
           </a:p>
           <a:p>
             <a:pPr lvl="1"/>
             <a:r>
-              <a:rPr lang="en-US" smtClean="0"/>
+              <a:rPr lang="en-US"/>
               <a:t>Second level</a:t>
             </a:r>
           </a:p>
           <a:p>
             <a:pPr lvl="2"/>
             <a:r>
-              <a:rPr lang="en-US" smtClean="0"/>
+              <a:rPr lang="en-US"/>
               <a:t>Third level</a:t>
             </a:r>
           </a:p>
           <a:p>
             <a:pPr lvl="3"/>
             <a:r>
-              <a:rPr lang="en-US" smtClean="0"/>
+              <a:rPr lang="en-US"/>
               <a:t>Fourth level</a:t>
             </a:r>
           </a:p>
           <a:p>
             <a:pPr lvl="4"/>
             <a:r>
-              <a:rPr lang="en-US" smtClean="0"/>
+              <a:rPr lang="en-US"/>
               <a:t>Fifth level</a:t>
             </a:r>
-            <a:endParaRPr lang="en-US"/>
           </a:p>
         </p:txBody>
       </p:sp>
@@ -895,7 +907,7 @@
           <a:p>
             <a:fld id="{D79ED97D-5577-403C-B58C-D66171CB85CF}" type="datetimeFigureOut">
               <a:rPr lang="en-US" smtClean="0"/>
-              <a:t>1/26/2016</a:t>
+              <a:t>8/16/2016</a:t>
             </a:fld>
             <a:endParaRPr lang="en-US"/>
           </a:p>
@@ -994,10 +1006,9 @@
           <a:lstStyle/>
           <a:p>
             <a:r>
-              <a:rPr lang="en-US" smtClean="0"/>
+              <a:rPr lang="en-US"/>
               <a:t>Click to edit Master title style</a:t>
             </a:r>
-            <a:endParaRPr lang="en-US"/>
           </a:p>
         </p:txBody>
       </p:sp>
@@ -1023,38 +1034,37 @@
           <a:p>
             <a:pPr lvl="0"/>
             <a:r>
-              <a:rPr lang="en-US" smtClean="0"/>
+              <a:rPr lang="en-US"/>
               <a:t>Click to edit Master text styles</a:t>
             </a:r>
           </a:p>
           <a:p>
             <a:pPr lvl="1"/>
             <a:r>
-              <a:rPr lang="en-US" smtClean="0"/>
+              <a:rPr lang="en-US"/>
               <a:t>Second level</a:t>
             </a:r>
           </a:p>
           <a:p>
             <a:pPr lvl="2"/>
             <a:r>
-              <a:rPr lang="en-US" smtClean="0"/>
+              <a:rPr lang="en-US"/>
               <a:t>Third level</a:t>
             </a:r>
           </a:p>
           <a:p>
             <a:pPr lvl="3"/>
             <a:r>
-              <a:rPr lang="en-US" smtClean="0"/>
+              <a:rPr lang="en-US"/>
               <a:t>Fourth level</a:t>
             </a:r>
           </a:p>
           <a:p>
             <a:pPr lvl="4"/>
             <a:r>
-              <a:rPr lang="en-US" smtClean="0"/>
+              <a:rPr lang="en-US"/>
               <a:t>Fifth level</a:t>
             </a:r>
-            <a:endParaRPr lang="en-US"/>
           </a:p>
         </p:txBody>
       </p:sp>
@@ -1075,7 +1085,7 @@
           <a:p>
             <a:fld id="{D79ED97D-5577-403C-B58C-D66171CB85CF}" type="datetimeFigureOut">
               <a:rPr lang="en-US" smtClean="0"/>
-              <a:t>1/26/2016</a:t>
+              <a:t>8/16/2016</a:t>
             </a:fld>
             <a:endParaRPr lang="en-US"/>
           </a:p>
@@ -1169,10 +1179,9 @@
           <a:lstStyle/>
           <a:p>
             <a:r>
-              <a:rPr lang="en-US" smtClean="0"/>
+              <a:rPr lang="en-US"/>
               <a:t>Click to edit Master title style</a:t>
             </a:r>
-            <a:endParaRPr lang="en-US"/>
           </a:p>
         </p:txBody>
       </p:sp>
@@ -1193,38 +1202,37 @@
           <a:p>
             <a:pPr lvl="0"/>
             <a:r>
-              <a:rPr lang="en-US" smtClean="0"/>
+              <a:rPr lang="en-US"/>
               <a:t>Click to edit Master text styles</a:t>
             </a:r>
           </a:p>
           <a:p>
             <a:pPr lvl="1"/>
             <a:r>
-              <a:rPr lang="en-US" smtClean="0"/>
+              <a:rPr lang="en-US"/>
               <a:t>Second level</a:t>
             </a:r>
           </a:p>
           <a:p>
             <a:pPr lvl="2"/>
             <a:r>
-              <a:rPr lang="en-US" smtClean="0"/>
+              <a:rPr lang="en-US"/>
               <a:t>Third level</a:t>
             </a:r>
           </a:p>
           <a:p>
             <a:pPr lvl="3"/>
             <a:r>
-              <a:rPr lang="en-US" smtClean="0"/>
+              <a:rPr lang="en-US"/>
               <a:t>Fourth level</a:t>
             </a:r>
           </a:p>
           <a:p>
             <a:pPr lvl="4"/>
             <a:r>
-              <a:rPr lang="en-US" smtClean="0"/>
+              <a:rPr lang="en-US"/>
               <a:t>Fifth level</a:t>
             </a:r>
-            <a:endParaRPr lang="en-US"/>
           </a:p>
         </p:txBody>
       </p:sp>
@@ -1245,7 +1253,7 @@
           <a:p>
             <a:fld id="{D79ED97D-5577-403C-B58C-D66171CB85CF}" type="datetimeFigureOut">
               <a:rPr lang="en-US" smtClean="0"/>
-              <a:t>1/26/2016</a:t>
+              <a:t>8/16/2016</a:t>
             </a:fld>
             <a:endParaRPr lang="en-US"/>
           </a:p>
@@ -1348,10 +1356,9 @@
           </a:lstStyle>
           <a:p>
             <a:r>
-              <a:rPr lang="en-US" smtClean="0"/>
+              <a:rPr lang="en-US"/>
               <a:t>Click to edit Master title style</a:t>
             </a:r>
-            <a:endParaRPr lang="en-US"/>
           </a:p>
         </p:txBody>
       </p:sp>
@@ -1468,7 +1475,7 @@
           <a:p>
             <a:pPr lvl="0"/>
             <a:r>
-              <a:rPr lang="en-US" smtClean="0"/>
+              <a:rPr lang="en-US"/>
               <a:t>Click to edit Master text styles</a:t>
             </a:r>
           </a:p>
@@ -1491,7 +1498,7 @@
           <a:p>
             <a:fld id="{D79ED97D-5577-403C-B58C-D66171CB85CF}" type="datetimeFigureOut">
               <a:rPr lang="en-US" smtClean="0"/>
-              <a:t>1/26/2016</a:t>
+              <a:t>8/16/2016</a:t>
             </a:fld>
             <a:endParaRPr lang="en-US"/>
           </a:p>
@@ -1585,10 +1592,9 @@
           <a:lstStyle/>
           <a:p>
             <a:r>
-              <a:rPr lang="en-US" smtClean="0"/>
+              <a:rPr lang="en-US"/>
               <a:t>Click to edit Master title style</a:t>
             </a:r>
-            <a:endParaRPr lang="en-US"/>
           </a:p>
         </p:txBody>
       </p:sp>
@@ -1642,38 +1648,37 @@
           <a:p>
             <a:pPr lvl="0"/>
             <a:r>
-              <a:rPr lang="en-US" smtClean="0"/>
+              <a:rPr lang="en-US"/>
               <a:t>Click to edit Master text styles</a:t>
             </a:r>
           </a:p>
           <a:p>
             <a:pPr lvl="1"/>
             <a:r>
-              <a:rPr lang="en-US" smtClean="0"/>
+              <a:rPr lang="en-US"/>
               <a:t>Second level</a:t>
             </a:r>
           </a:p>
           <a:p>
             <a:pPr lvl="2"/>
             <a:r>
-              <a:rPr lang="en-US" smtClean="0"/>
+              <a:rPr lang="en-US"/>
               <a:t>Third level</a:t>
             </a:r>
           </a:p>
           <a:p>
             <a:pPr lvl="3"/>
             <a:r>
-              <a:rPr lang="en-US" smtClean="0"/>
+              <a:rPr lang="en-US"/>
               <a:t>Fourth level</a:t>
             </a:r>
           </a:p>
           <a:p>
             <a:pPr lvl="4"/>
             <a:r>
-              <a:rPr lang="en-US" smtClean="0"/>
+              <a:rPr lang="en-US"/>
               <a:t>Fifth level</a:t>
             </a:r>
-            <a:endParaRPr lang="en-US"/>
           </a:p>
         </p:txBody>
       </p:sp>
@@ -1727,38 +1732,37 @@
           <a:p>
             <a:pPr lvl="0"/>
             <a:r>
-              <a:rPr lang="en-US" smtClean="0"/>
+              <a:rPr lang="en-US"/>
               <a:t>Click to edit Master text styles</a:t>
             </a:r>
           </a:p>
           <a:p>
             <a:pPr lvl="1"/>
             <a:r>
-              <a:rPr lang="en-US" smtClean="0"/>
+              <a:rPr lang="en-US"/>
               <a:t>Second level</a:t>
             </a:r>
           </a:p>
           <a:p>
             <a:pPr lvl="2"/>
             <a:r>
-              <a:rPr lang="en-US" smtClean="0"/>
+              <a:rPr lang="en-US"/>
               <a:t>Third level</a:t>
             </a:r>
           </a:p>
           <a:p>
             <a:pPr lvl="3"/>
             <a:r>
-              <a:rPr lang="en-US" smtClean="0"/>
+              <a:rPr lang="en-US"/>
               <a:t>Fourth level</a:t>
             </a:r>
           </a:p>
           <a:p>
             <a:pPr lvl="4"/>
             <a:r>
-              <a:rPr lang="en-US" smtClean="0"/>
+              <a:rPr lang="en-US"/>
               <a:t>Fifth level</a:t>
             </a:r>
-            <a:endParaRPr lang="en-US"/>
           </a:p>
         </p:txBody>
       </p:sp>
@@ -1779,7 +1783,7 @@
           <a:p>
             <a:fld id="{D79ED97D-5577-403C-B58C-D66171CB85CF}" type="datetimeFigureOut">
               <a:rPr lang="en-US" smtClean="0"/>
-              <a:t>1/26/2016</a:t>
+              <a:t>8/16/2016</a:t>
             </a:fld>
             <a:endParaRPr lang="en-US"/>
           </a:p>
@@ -1877,10 +1881,9 @@
           </a:lstStyle>
           <a:p>
             <a:r>
-              <a:rPr lang="en-US" smtClean="0"/>
+              <a:rPr lang="en-US"/>
               <a:t>Click to edit Master title style</a:t>
             </a:r>
-            <a:endParaRPr lang="en-US"/>
           </a:p>
         </p:txBody>
       </p:sp>
@@ -1943,7 +1946,7 @@
           <a:p>
             <a:pPr lvl="0"/>
             <a:r>
-              <a:rPr lang="en-US" smtClean="0"/>
+              <a:rPr lang="en-US"/>
               <a:t>Click to edit Master text styles</a:t>
             </a:r>
           </a:p>
@@ -1999,38 +2002,37 @@
           <a:p>
             <a:pPr lvl="0"/>
             <a:r>
-              <a:rPr lang="en-US" smtClean="0"/>
+              <a:rPr lang="en-US"/>
               <a:t>Click to edit Master text styles</a:t>
             </a:r>
           </a:p>
           <a:p>
             <a:pPr lvl="1"/>
             <a:r>
-              <a:rPr lang="en-US" smtClean="0"/>
+              <a:rPr lang="en-US"/>
               <a:t>Second level</a:t>
             </a:r>
           </a:p>
           <a:p>
             <a:pPr lvl="2"/>
             <a:r>
-              <a:rPr lang="en-US" smtClean="0"/>
+              <a:rPr lang="en-US"/>
               <a:t>Third level</a:t>
             </a:r>
           </a:p>
           <a:p>
             <a:pPr lvl="3"/>
             <a:r>
-              <a:rPr lang="en-US" smtClean="0"/>
+              <a:rPr lang="en-US"/>
               <a:t>Fourth level</a:t>
             </a:r>
           </a:p>
           <a:p>
             <a:pPr lvl="4"/>
             <a:r>
-              <a:rPr lang="en-US" smtClean="0"/>
+              <a:rPr lang="en-US"/>
               <a:t>Fifth level</a:t>
             </a:r>
-            <a:endParaRPr lang="en-US"/>
           </a:p>
         </p:txBody>
       </p:sp>
@@ -2093,7 +2095,7 @@
           <a:p>
             <a:pPr lvl="0"/>
             <a:r>
-              <a:rPr lang="en-US" smtClean="0"/>
+              <a:rPr lang="en-US"/>
               <a:t>Click to edit Master text styles</a:t>
             </a:r>
           </a:p>
@@ -2149,38 +2151,37 @@
           <a:p>
             <a:pPr lvl="0"/>
             <a:r>
-              <a:rPr lang="en-US" smtClean="0"/>
+              <a:rPr lang="en-US"/>
               <a:t>Click to edit Master text styles</a:t>
             </a:r>
           </a:p>
           <a:p>
             <a:pPr lvl="1"/>
             <a:r>
-              <a:rPr lang="en-US" smtClean="0"/>
+              <a:rPr lang="en-US"/>
               <a:t>Second level</a:t>
             </a:r>
           </a:p>
           <a:p>
             <a:pPr lvl="2"/>
             <a:r>
-              <a:rPr lang="en-US" smtClean="0"/>
+              <a:rPr lang="en-US"/>
               <a:t>Third level</a:t>
             </a:r>
           </a:p>
           <a:p>
             <a:pPr lvl="3"/>
             <a:r>
-              <a:rPr lang="en-US" smtClean="0"/>
+              <a:rPr lang="en-US"/>
               <a:t>Fourth level</a:t>
             </a:r>
           </a:p>
           <a:p>
             <a:pPr lvl="4"/>
             <a:r>
-              <a:rPr lang="en-US" smtClean="0"/>
+              <a:rPr lang="en-US"/>
               <a:t>Fifth level</a:t>
             </a:r>
-            <a:endParaRPr lang="en-US"/>
           </a:p>
         </p:txBody>
       </p:sp>
@@ -2201,7 +2202,7 @@
           <a:p>
             <a:fld id="{D79ED97D-5577-403C-B58C-D66171CB85CF}" type="datetimeFigureOut">
               <a:rPr lang="en-US" smtClean="0"/>
-              <a:t>1/26/2016</a:t>
+              <a:t>8/16/2016</a:t>
             </a:fld>
             <a:endParaRPr lang="en-US"/>
           </a:p>
@@ -2295,10 +2296,9 @@
           <a:lstStyle/>
           <a:p>
             <a:r>
-              <a:rPr lang="en-US" smtClean="0"/>
+              <a:rPr lang="en-US"/>
               <a:t>Click to edit Master title style</a:t>
             </a:r>
-            <a:endParaRPr lang="en-US"/>
           </a:p>
         </p:txBody>
       </p:sp>
@@ -2319,7 +2319,7 @@
           <a:p>
             <a:fld id="{D79ED97D-5577-403C-B58C-D66171CB85CF}" type="datetimeFigureOut">
               <a:rPr lang="en-US" smtClean="0"/>
-              <a:t>1/26/2016</a:t>
+              <a:t>8/16/2016</a:t>
             </a:fld>
             <a:endParaRPr lang="en-US"/>
           </a:p>
@@ -2414,7 +2414,7 @@
           <a:p>
             <a:fld id="{D79ED97D-5577-403C-B58C-D66171CB85CF}" type="datetimeFigureOut">
               <a:rPr lang="en-US" smtClean="0"/>
-              <a:t>1/26/2016</a:t>
+              <a:t>8/16/2016</a:t>
             </a:fld>
             <a:endParaRPr lang="en-US"/>
           </a:p>
@@ -2517,10 +2517,9 @@
           </a:lstStyle>
           <a:p>
             <a:r>
-              <a:rPr lang="en-US" smtClean="0"/>
+              <a:rPr lang="en-US"/>
               <a:t>Click to edit Master title style</a:t>
             </a:r>
-            <a:endParaRPr lang="en-US"/>
           </a:p>
         </p:txBody>
       </p:sp>
@@ -2574,38 +2573,37 @@
           <a:p>
             <a:pPr lvl="0"/>
             <a:r>
-              <a:rPr lang="en-US" smtClean="0"/>
+              <a:rPr lang="en-US"/>
               <a:t>Click to edit Master text styles</a:t>
             </a:r>
           </a:p>
           <a:p>
             <a:pPr lvl="1"/>
             <a:r>
-              <a:rPr lang="en-US" smtClean="0"/>
+              <a:rPr lang="en-US"/>
               <a:t>Second level</a:t>
             </a:r>
           </a:p>
           <a:p>
             <a:pPr lvl="2"/>
             <a:r>
-              <a:rPr lang="en-US" smtClean="0"/>
+              <a:rPr lang="en-US"/>
               <a:t>Third level</a:t>
             </a:r>
           </a:p>
           <a:p>
             <a:pPr lvl="3"/>
             <a:r>
-              <a:rPr lang="en-US" smtClean="0"/>
+              <a:rPr lang="en-US"/>
               <a:t>Fourth level</a:t>
             </a:r>
           </a:p>
           <a:p>
             <a:pPr lvl="4"/>
             <a:r>
-              <a:rPr lang="en-US" smtClean="0"/>
+              <a:rPr lang="en-US"/>
               <a:t>Fifth level</a:t>
             </a:r>
-            <a:endParaRPr lang="en-US"/>
           </a:p>
         </p:txBody>
       </p:sp>
@@ -2668,7 +2666,7 @@
           <a:p>
             <a:pPr lvl="0"/>
             <a:r>
-              <a:rPr lang="en-US" smtClean="0"/>
+              <a:rPr lang="en-US"/>
               <a:t>Click to edit Master text styles</a:t>
             </a:r>
           </a:p>
@@ -2691,7 +2689,7 @@
           <a:p>
             <a:fld id="{D79ED97D-5577-403C-B58C-D66171CB85CF}" type="datetimeFigureOut">
               <a:rPr lang="en-US" smtClean="0"/>
-              <a:t>1/26/2016</a:t>
+              <a:t>8/16/2016</a:t>
             </a:fld>
             <a:endParaRPr lang="en-US"/>
           </a:p>
@@ -2794,10 +2792,9 @@
           </a:lstStyle>
           <a:p>
             <a:r>
-              <a:rPr lang="en-US" smtClean="0"/>
+              <a:rPr lang="en-US"/>
               <a:t>Click to edit Master title style</a:t>
             </a:r>
-            <a:endParaRPr lang="en-US"/>
           </a:p>
         </p:txBody>
       </p:sp>
@@ -2921,7 +2918,7 @@
           <a:p>
             <a:pPr lvl="0"/>
             <a:r>
-              <a:rPr lang="en-US" smtClean="0"/>
+              <a:rPr lang="en-US"/>
               <a:t>Click to edit Master text styles</a:t>
             </a:r>
           </a:p>
@@ -2944,7 +2941,7 @@
           <a:p>
             <a:fld id="{D79ED97D-5577-403C-B58C-D66171CB85CF}" type="datetimeFigureOut">
               <a:rPr lang="en-US" smtClean="0"/>
-              <a:t>1/26/2016</a:t>
+              <a:t>8/16/2016</a:t>
             </a:fld>
             <a:endParaRPr lang="en-US"/>
           </a:p>
@@ -3053,10 +3050,9 @@
           <a:lstStyle/>
           <a:p>
             <a:r>
-              <a:rPr lang="en-US" smtClean="0"/>
+              <a:rPr lang="en-US"/>
               <a:t>Click to edit Master title style</a:t>
             </a:r>
-            <a:endParaRPr lang="en-US"/>
           </a:p>
         </p:txBody>
       </p:sp>
@@ -3087,38 +3083,37 @@
           <a:p>
             <a:pPr lvl="0"/>
             <a:r>
-              <a:rPr lang="en-US" smtClean="0"/>
+              <a:rPr lang="en-US"/>
               <a:t>Click to edit Master text styles</a:t>
             </a:r>
           </a:p>
           <a:p>
             <a:pPr lvl="1"/>
             <a:r>
-              <a:rPr lang="en-US" smtClean="0"/>
+              <a:rPr lang="en-US"/>
               <a:t>Second level</a:t>
             </a:r>
           </a:p>
           <a:p>
             <a:pPr lvl="2"/>
             <a:r>
-              <a:rPr lang="en-US" smtClean="0"/>
+              <a:rPr lang="en-US"/>
               <a:t>Third level</a:t>
             </a:r>
           </a:p>
           <a:p>
             <a:pPr lvl="3"/>
             <a:r>
-              <a:rPr lang="en-US" smtClean="0"/>
+              <a:rPr lang="en-US"/>
               <a:t>Fourth level</a:t>
             </a:r>
           </a:p>
           <a:p>
             <a:pPr lvl="4"/>
             <a:r>
-              <a:rPr lang="en-US" smtClean="0"/>
+              <a:rPr lang="en-US"/>
               <a:t>Fifth level</a:t>
             </a:r>
-            <a:endParaRPr lang="en-US"/>
           </a:p>
         </p:txBody>
       </p:sp>
@@ -3157,7 +3152,7 @@
           <a:p>
             <a:fld id="{D79ED97D-5577-403C-B58C-D66171CB85CF}" type="datetimeFigureOut">
               <a:rPr lang="en-US" smtClean="0"/>
-              <a:t>1/26/2016</a:t>
+              <a:t>8/16/2016</a:t>
             </a:fld>
             <a:endParaRPr lang="en-US"/>
           </a:p>
@@ -3673,10 +3668,9 @@
           <a:p>
             <a:pPr algn="ctr"/>
             <a:r>
-              <a:rPr lang="en-US" sz="1100" dirty="0" smtClean="0"/>
+              <a:rPr lang="en-US" sz="1100" dirty="0"/>
               <a:t>Contention-free period (CFP)</a:t>
             </a:r>
-            <a:endParaRPr lang="en-US" sz="1100" dirty="0"/>
           </a:p>
         </p:txBody>
       </p:sp>
@@ -3706,10 +3700,9 @@
           <a:lstStyle/>
           <a:p>
             <a:r>
-              <a:rPr lang="en-US" sz="1200" dirty="0" smtClean="0"/>
+              <a:rPr lang="en-US" sz="1200" dirty="0"/>
               <a:t>Time</a:t>
             </a:r>
-            <a:endParaRPr lang="en-US" sz="1200" dirty="0"/>
           </a:p>
         </p:txBody>
       </p:sp>
@@ -3856,10 +3849,9 @@
           <a:p>
             <a:pPr algn="ctr"/>
             <a:r>
-              <a:rPr lang="en-US" sz="1100" dirty="0" smtClean="0"/>
+              <a:rPr lang="en-US" sz="1100" dirty="0"/>
               <a:t>Contention period (CP)</a:t>
             </a:r>
-            <a:endParaRPr lang="en-US" sz="1100" dirty="0"/>
           </a:p>
         </p:txBody>
       </p:sp>
@@ -3968,10 +3960,9 @@
           <a:p>
             <a:pPr algn="ctr"/>
             <a:r>
-              <a:rPr lang="en-US" sz="1100" dirty="0" smtClean="0"/>
+              <a:rPr lang="en-US" sz="1100" dirty="0"/>
               <a:t>Beacon</a:t>
             </a:r>
-            <a:endParaRPr lang="en-US" sz="1100" dirty="0"/>
           </a:p>
         </p:txBody>
       </p:sp>
@@ -3990,7 +3981,7 @@
             <a:avLst/>
           </a:prstGeom>
           <a:solidFill>
-            <a:srgbClr val="FF00FF"/>
+            <a:srgbClr val="FFCCFF"/>
           </a:solidFill>
           <a:ln w="6350">
             <a:solidFill>
@@ -4066,7 +4057,7 @@
             <a:avLst/>
           </a:prstGeom>
           <a:solidFill>
-            <a:srgbClr val="99FF66"/>
+            <a:srgbClr val="008000"/>
           </a:solidFill>
           <a:ln w="6350">
             <a:solidFill>
@@ -4104,7 +4095,7 @@
             <a:avLst/>
           </a:prstGeom>
           <a:solidFill>
-            <a:srgbClr val="FF00FF"/>
+            <a:srgbClr val="FFCCFF"/>
           </a:solidFill>
           <a:ln w="6350">
             <a:solidFill>
@@ -4180,7 +4171,7 @@
             <a:avLst/>
           </a:prstGeom>
           <a:solidFill>
-            <a:srgbClr val="99FF66"/>
+            <a:srgbClr val="008000"/>
           </a:solidFill>
           <a:ln w="6350">
             <a:solidFill>
@@ -4218,7 +4209,7 @@
             <a:avLst/>
           </a:prstGeom>
           <a:solidFill>
-            <a:srgbClr val="FF00FF"/>
+            <a:srgbClr val="FFCCFF"/>
           </a:solidFill>
           <a:ln w="6350">
             <a:solidFill>
@@ -4294,7 +4285,7 @@
             <a:avLst/>
           </a:prstGeom>
           <a:solidFill>
-            <a:srgbClr val="99FF66"/>
+            <a:srgbClr val="008000"/>
           </a:solidFill>
           <a:ln w="6350">
             <a:solidFill>
@@ -4332,7 +4323,7 @@
             <a:avLst/>
           </a:prstGeom>
           <a:solidFill>
-            <a:srgbClr val="FF00FF"/>
+            <a:srgbClr val="FFCCFF"/>
           </a:solidFill>
           <a:ln w="6350">
             <a:solidFill>
@@ -4408,7 +4399,7 @@
             <a:avLst/>
           </a:prstGeom>
           <a:solidFill>
-            <a:srgbClr val="99FF66"/>
+            <a:srgbClr val="008000"/>
           </a:solidFill>
           <a:ln w="6350">
             <a:solidFill>
@@ -4496,10 +4487,9 @@
           <a:p>
             <a:pPr algn="ctr"/>
             <a:r>
-              <a:rPr lang="en-US" sz="1100" dirty="0" smtClean="0"/>
+              <a:rPr lang="en-US" sz="1100" dirty="0"/>
               <a:t>CFP-Poll</a:t>
             </a:r>
-            <a:endParaRPr lang="en-US" sz="1100" dirty="0"/>
           </a:p>
         </p:txBody>
       </p:sp>
@@ -4529,10 +4519,9 @@
           <a:lstStyle/>
           <a:p>
             <a:r>
-              <a:rPr lang="en-US" sz="1100" dirty="0" smtClean="0"/>
+              <a:rPr lang="en-US" sz="1100" dirty="0"/>
               <a:t>CF-End</a:t>
             </a:r>
-            <a:endParaRPr lang="en-US" sz="1100" dirty="0"/>
           </a:p>
         </p:txBody>
       </p:sp>
@@ -4601,10 +4590,9 @@
           <a:p>
             <a:pPr algn="ctr"/>
             <a:r>
-              <a:rPr lang="en-US" sz="1100" dirty="0" smtClean="0"/>
+              <a:rPr lang="en-US" sz="1100" dirty="0"/>
               <a:t>Beacon</a:t>
             </a:r>
-            <a:endParaRPr lang="en-US" sz="1100" dirty="0"/>
           </a:p>
         </p:txBody>
       </p:sp>
@@ -4635,14 +4623,13 @@
           <a:p>
             <a:pPr algn="ctr"/>
             <a:r>
-              <a:rPr lang="en-US" sz="1100" dirty="0" err="1" smtClean="0"/>
+              <a:rPr lang="en-US" sz="1100" dirty="0" err="1"/>
               <a:t>QoS</a:t>
             </a:r>
             <a:r>
-              <a:rPr lang="en-US" sz="1100" dirty="0" smtClean="0"/>
+              <a:rPr lang="en-US" sz="1100" dirty="0"/>
               <a:t> STA data</a:t>
             </a:r>
-            <a:endParaRPr lang="en-US" sz="1100" dirty="0"/>
           </a:p>
         </p:txBody>
       </p:sp>
@@ -4672,10 +4659,9 @@
           <a:lstStyle/>
           <a:p>
             <a:r>
-              <a:rPr lang="en-US" sz="1100" dirty="0" smtClean="0"/>
+              <a:rPr lang="en-US" sz="1100" dirty="0"/>
               <a:t>ACK</a:t>
             </a:r>
-            <a:endParaRPr lang="en-US" sz="1100" dirty="0"/>
           </a:p>
         </p:txBody>
       </p:sp>
@@ -4694,7 +4680,7 @@
             <a:avLst/>
           </a:prstGeom>
           <a:solidFill>
-            <a:srgbClr val="FF00FF"/>
+            <a:srgbClr val="FFCCFF"/>
           </a:solidFill>
           <a:ln w="6350">
             <a:solidFill>
@@ -4770,7 +4756,7 @@
             <a:avLst/>
           </a:prstGeom>
           <a:solidFill>
-            <a:srgbClr val="99FF66"/>
+            <a:srgbClr val="008000"/>
           </a:solidFill>
           <a:ln w="6350">
             <a:solidFill>
@@ -4808,7 +4794,7 @@
             <a:avLst/>
           </a:prstGeom>
           <a:solidFill>
-            <a:srgbClr val="FF00FF"/>
+            <a:srgbClr val="FFCCFF"/>
           </a:solidFill>
           <a:ln w="6350">
             <a:solidFill>
@@ -4884,7 +4870,7 @@
             <a:avLst/>
           </a:prstGeom>
           <a:solidFill>
-            <a:srgbClr val="99FF66"/>
+            <a:srgbClr val="008000"/>
           </a:solidFill>
           <a:ln w="6350">
             <a:solidFill>
@@ -4934,14 +4920,13 @@
           <a:p>
             <a:pPr algn="ctr"/>
             <a:r>
-              <a:rPr lang="en-US" sz="1100" dirty="0" err="1" smtClean="0"/>
+              <a:rPr lang="en-US" sz="1100" dirty="0" err="1"/>
               <a:t>QoS</a:t>
             </a:r>
             <a:r>
-              <a:rPr lang="en-US" sz="1100" dirty="0" smtClean="0"/>
+              <a:rPr lang="en-US" sz="1100" dirty="0"/>
               <a:t> STA data</a:t>
             </a:r>
-            <a:endParaRPr lang="en-US" sz="1100" dirty="0"/>
           </a:p>
         </p:txBody>
       </p:sp>
@@ -4971,10 +4956,9 @@
           <a:lstStyle/>
           <a:p>
             <a:r>
-              <a:rPr lang="en-US" sz="1100" dirty="0" smtClean="0"/>
+              <a:rPr lang="en-US" sz="1100" dirty="0"/>
               <a:t>ACK</a:t>
             </a:r>
-            <a:endParaRPr lang="en-US" sz="1100" dirty="0"/>
           </a:p>
         </p:txBody>
       </p:sp>
@@ -5005,25 +4989,16 @@
           <a:p>
             <a:pPr algn="ctr"/>
             <a:r>
-              <a:rPr lang="en-US" sz="1100" dirty="0" smtClean="0"/>
+              <a:rPr lang="en-US" sz="1100" dirty="0"/>
               <a:t>Controlled access</a:t>
             </a:r>
             <a:br>
-              <a:rPr lang="en-US" sz="1100" dirty="0" smtClean="0"/>
+              <a:rPr lang="en-US" sz="1100" dirty="0"/>
             </a:br>
             <a:r>
-              <a:rPr lang="en-US" sz="1100" dirty="0" smtClean="0"/>
-              <a:t>phase </a:t>
-            </a:r>
-            <a:r>
-              <a:rPr lang="en-US" sz="1100" dirty="0" smtClean="0"/>
-              <a:t>(</a:t>
-            </a:r>
-            <a:r>
-              <a:rPr lang="en-US" sz="1100" dirty="0" smtClean="0"/>
-              <a:t>CAP)</a:t>
-            </a:r>
-            <a:endParaRPr lang="en-US" sz="1100" dirty="0"/>
+              <a:rPr lang="en-US" sz="1100" dirty="0"/>
+              <a:t>phase (CAP)</a:t>
+            </a:r>
           </a:p>
         </p:txBody>
       </p:sp>
@@ -5054,10 +5029,9 @@
           <a:p>
             <a:pPr algn="ctr"/>
             <a:r>
-              <a:rPr lang="en-US" sz="1200" dirty="0" smtClean="0"/>
+              <a:rPr lang="en-US" sz="1200" dirty="0"/>
               <a:t>EDCA</a:t>
             </a:r>
-            <a:endParaRPr lang="en-US" sz="1200" dirty="0"/>
           </a:p>
         </p:txBody>
       </p:sp>
@@ -5125,10 +5099,9 @@
           <a:p>
             <a:pPr algn="ctr"/>
             <a:r>
-              <a:rPr lang="en-US" sz="1100" dirty="0" smtClean="0"/>
+              <a:rPr lang="en-US" sz="1100" dirty="0"/>
               <a:t>802.11e beacon interval</a:t>
             </a:r>
-            <a:endParaRPr lang="en-US" sz="1100" dirty="0"/>
           </a:p>
         </p:txBody>
       </p:sp>
@@ -5202,10 +5175,9 @@
           <a:p>
             <a:pPr algn="ctr"/>
             <a:r>
-              <a:rPr lang="en-US" sz="1200" dirty="0" smtClean="0"/>
+              <a:rPr lang="en-US" sz="1200" dirty="0"/>
               <a:t>EDCA</a:t>
             </a:r>
-            <a:endParaRPr lang="en-US" sz="1200" dirty="0"/>
           </a:p>
         </p:txBody>
       </p:sp>
@@ -5263,6 +5235,60 @@
     <p:extLst>
       <p:ext uri="{BB962C8B-B14F-4D97-AF65-F5344CB8AC3E}">
         <p14:creationId xmlns:p14="http://schemas.microsoft.com/office/powerpoint/2010/main" val="800585095"/>
+      </p:ext>
+    </p:extLst>
+  </p:cSld>
+  <p:clrMapOvr>
+    <a:masterClrMapping/>
+  </p:clrMapOvr>
+</p:sld>
+</file>
+
+<file path=ppt/slides/slide2.xml><?xml version="1.0" encoding="utf-8"?>
+<p:sld xmlns:a="http://schemas.openxmlformats.org/drawingml/2006/main" xmlns:r="http://schemas.openxmlformats.org/officeDocument/2006/relationships" xmlns:p="http://schemas.openxmlformats.org/presentationml/2006/main">
+  <p:cSld>
+    <p:spTree>
+      <p:nvGrpSpPr>
+        <p:cNvPr id="1" name=""/>
+        <p:cNvGrpSpPr/>
+        <p:nvPr/>
+      </p:nvGrpSpPr>
+      <p:grpSpPr>
+        <a:xfrm>
+          <a:off x="0" y="0"/>
+          <a:ext cx="0" cy="0"/>
+          <a:chOff x="0" y="0"/>
+          <a:chExt cx="0" cy="0"/>
+        </a:xfrm>
+      </p:grpSpPr>
+      <p:pic>
+        <p:nvPicPr>
+          <p:cNvPr id="5" name="Picture 4"/>
+          <p:cNvPicPr>
+            <a:picLocks noChangeAspect="1"/>
+          </p:cNvPicPr>
+          <p:nvPr/>
+        </p:nvPicPr>
+        <p:blipFill>
+          <a:blip r:embed="rId2"/>
+          <a:stretch>
+            <a:fillRect/>
+          </a:stretch>
+        </p:blipFill>
+        <p:spPr>
+          <a:xfrm>
+            <a:off x="417216" y="2048136"/>
+            <a:ext cx="8309568" cy="2761727"/>
+          </a:xfrm>
+          <a:prstGeom prst="rect">
+            <a:avLst/>
+          </a:prstGeom>
+        </p:spPr>
+      </p:pic>
+    </p:spTree>
+    <p:extLst>
+      <p:ext uri="{BB962C8B-B14F-4D97-AF65-F5344CB8AC3E}">
+        <p14:creationId xmlns:p14="http://schemas.microsoft.com/office/powerpoint/2010/main" val="945784745"/>
       </p:ext>
     </p:extLst>
   </p:cSld>
